--- a/Projet 8_Documentez votre système de gestion de pizzeria.pptx
+++ b/Projet 8_Documentez votre système de gestion de pizzeria.pptx
@@ -4629,7 +4629,7 @@
           <a:p>
             <a:fld id="{BBABD12B-B38D-4074-8C4A-459BAE64C859}" type="datetimeFigureOut">
               <a:rPr lang="fr-FR" smtClean="0"/>
-              <a:t>21/11/2022</a:t>
+              <a:t>23/11/2022</a:t>
             </a:fld>
             <a:endParaRPr lang="fr-FR"/>
           </a:p>
@@ -5207,19 +5207,7 @@
             </a:r>
             <a:r>
               <a:rPr lang="fr-FR" baseline="0" dirty="0" smtClean="0"/>
-              <a:t> que le projet fait suite à </a:t>
-            </a:r>
-            <a:r>
-              <a:rPr lang="fr-FR" baseline="0" dirty="0" smtClean="0"/>
-              <a:t>deux précédents projets </a:t>
-            </a:r>
-            <a:r>
-              <a:rPr lang="fr-FR" baseline="0" dirty="0" smtClean="0"/>
-              <a:t>et que celui-ci est la finalité de </a:t>
-            </a:r>
-            <a:r>
-              <a:rPr lang="fr-FR" baseline="0" dirty="0" smtClean="0"/>
-              <a:t>ces derniers</a:t>
+              <a:t> que le projet fait suite à deux précédents projets et que celui-ci est la finalité de ces derniers</a:t>
             </a:r>
             <a:endParaRPr lang="fr-FR" dirty="0"/>
           </a:p>
@@ -5559,11 +5547,7 @@
           <a:p>
             <a:r>
               <a:rPr lang="fr-FR" dirty="0" smtClean="0"/>
-              <a:t>Pas</a:t>
-            </a:r>
-            <a:r>
-              <a:rPr lang="fr-FR" baseline="0" dirty="0" smtClean="0"/>
-              <a:t> utiliser de mots techniques</a:t>
+              <a:t>Rappel des deux précédents projets</a:t>
             </a:r>
             <a:endParaRPr lang="fr-FR" dirty="0"/>
           </a:p>
@@ -6168,7 +6152,7 @@
           <a:p>
             <a:fld id="{E736F079-509C-4333-B47B-5DABF2F374AF}" type="datetime1">
               <a:rPr lang="fr-FR" smtClean="0"/>
-              <a:t>21/11/2022</a:t>
+              <a:t>23/11/2022</a:t>
             </a:fld>
             <a:endParaRPr lang="fr-FR"/>
           </a:p>
@@ -6337,7 +6321,7 @@
           <a:p>
             <a:fld id="{EABA9876-FD64-4112-8901-D6DE8E800DCC}" type="datetime1">
               <a:rPr lang="fr-FR" smtClean="0"/>
-              <a:t>21/11/2022</a:t>
+              <a:t>23/11/2022</a:t>
             </a:fld>
             <a:endParaRPr lang="fr-FR"/>
           </a:p>
@@ -6516,7 +6500,7 @@
           <a:p>
             <a:fld id="{37958B4C-7AED-4EF7-A479-2D851FA097DF}" type="datetime1">
               <a:rPr lang="fr-FR" smtClean="0"/>
-              <a:t>21/11/2022</a:t>
+              <a:t>23/11/2022</a:t>
             </a:fld>
             <a:endParaRPr lang="fr-FR"/>
           </a:p>
@@ -6689,7 +6673,7 @@
           <a:p>
             <a:fld id="{0D56483B-0F70-4592-B292-9FAD0CB9CC4B}" type="datetime1">
               <a:rPr lang="fr-FR" smtClean="0"/>
-              <a:t>21/11/2022</a:t>
+              <a:t>23/11/2022</a:t>
             </a:fld>
             <a:endParaRPr lang="fr-FR"/>
           </a:p>
@@ -7143,7 +7127,7 @@
           <a:p>
             <a:fld id="{B9A2DA47-11BF-4CBF-B9B2-082FA673689E}" type="datetime1">
               <a:rPr lang="fr-FR" smtClean="0"/>
-              <a:t>21/11/2022</a:t>
+              <a:t>23/11/2022</a:t>
             </a:fld>
             <a:endParaRPr lang="fr-FR"/>
           </a:p>
@@ -7411,7 +7395,7 @@
           <a:p>
             <a:fld id="{7D76F49C-22C0-4920-9674-CC2057D00645}" type="datetime1">
               <a:rPr lang="fr-FR" smtClean="0"/>
-              <a:t>21/11/2022</a:t>
+              <a:t>23/11/2022</a:t>
             </a:fld>
             <a:endParaRPr lang="fr-FR"/>
           </a:p>
@@ -7789,7 +7773,7 @@
           <a:p>
             <a:fld id="{7B9B3A7F-4D6D-4BD0-8655-F572CDEEF054}" type="datetime1">
               <a:rPr lang="fr-FR" smtClean="0"/>
-              <a:t>21/11/2022</a:t>
+              <a:t>23/11/2022</a:t>
             </a:fld>
             <a:endParaRPr lang="fr-FR"/>
           </a:p>
@@ -7915,7 +7899,7 @@
           <a:p>
             <a:fld id="{67263CD4-F002-42F1-80A2-2D0C63A69B0E}" type="datetime1">
               <a:rPr lang="fr-FR" smtClean="0"/>
-              <a:t>21/11/2022</a:t>
+              <a:t>23/11/2022</a:t>
             </a:fld>
             <a:endParaRPr lang="fr-FR"/>
           </a:p>
@@ -8009,7 +7993,7 @@
           <a:p>
             <a:fld id="{E5FDA754-2CB3-499F-8327-F91B785A2DEC}" type="datetime1">
               <a:rPr lang="fr-FR" smtClean="0"/>
-              <a:t>21/11/2022</a:t>
+              <a:t>23/11/2022</a:t>
             </a:fld>
             <a:endParaRPr lang="fr-FR"/>
           </a:p>
@@ -8262,7 +8246,7 @@
           <a:p>
             <a:fld id="{5587530A-5802-46C4-B250-D07BD6DE2A3C}" type="datetime1">
               <a:rPr lang="fr-FR" smtClean="0"/>
-              <a:t>21/11/2022</a:t>
+              <a:t>23/11/2022</a:t>
             </a:fld>
             <a:endParaRPr lang="fr-FR"/>
           </a:p>
@@ -8525,7 +8509,7 @@
           <a:p>
             <a:fld id="{6E104170-FCFE-4E05-BA50-F4BD4327DFF6}" type="datetime1">
               <a:rPr lang="fr-FR" smtClean="0"/>
-              <a:t>21/11/2022</a:t>
+              <a:t>23/11/2022</a:t>
             </a:fld>
             <a:endParaRPr lang="fr-FR"/>
           </a:p>
@@ -8933,7 +8917,7 @@
           <a:p>
             <a:fld id="{35252F22-D607-4F41-97ED-A8B169CB72B1}" type="datetime1">
               <a:rPr lang="fr-FR" smtClean="0"/>
-              <a:t>21/11/2022</a:t>
+              <a:t>23/11/2022</a:t>
             </a:fld>
             <a:endParaRPr lang="fr-FR"/>
           </a:p>
@@ -10389,11 +10373,7 @@
             </a:pPr>
             <a:r>
               <a:rPr lang="fr-FR" dirty="0" smtClean="0"/>
-              <a:t>PV de </a:t>
-            </a:r>
-            <a:r>
-              <a:rPr lang="fr-FR" dirty="0" smtClean="0"/>
-              <a:t>livraison</a:t>
+              <a:t>PV de livraison</a:t>
             </a:r>
           </a:p>
           <a:p>
@@ -10795,15 +10775,7 @@
           <a:p>
             <a:r>
               <a:rPr lang="fr-FR" dirty="0" smtClean="0"/>
-              <a:t>Ce projet a vraiment été intéressant pour moi sur beaucoup de points. Il m’a permis de comprendre l’intérêt du document </a:t>
-            </a:r>
-            <a:r>
-              <a:rPr lang="fr-FR" dirty="0" smtClean="0"/>
-              <a:t>d’exploitation à savoir l’environnement nécessaire pour le déploiement et le lancement de l’application ainsi que la maintenance, sauvegarde et restauration. Le tout permettant le bon fonctionnement de l’application. </a:t>
-            </a:r>
-            <a:r>
-              <a:rPr lang="fr-FR" dirty="0" smtClean="0"/>
-              <a:t>Sans oublié que pour en venir à ce stade les </a:t>
+              <a:t>Ce projet a vraiment été intéressant pour moi sur beaucoup de points. Il m’a permis de comprendre l’intérêt du document d’exploitation à savoir l’environnement nécessaire pour le déploiement et le lancement de l’application ainsi que la maintenance, sauvegarde et restauration. Le tout permettant le bon fonctionnement de l’application. Sans oublié que pour en venir à ce stade les </a:t>
             </a:r>
             <a:r>
               <a:rPr lang="fr-FR" dirty="0" smtClean="0"/>
@@ -10811,13 +10783,20 @@
             </a:r>
             <a:r>
               <a:rPr lang="fr-FR" dirty="0" smtClean="0"/>
-              <a:t>fonctionnelle et document de conception </a:t>
+              <a:t>fonctionnelle et document de conception technique sont indispensables car ils sont les </a:t>
+            </a:r>
+            <a:r>
+              <a:rPr lang="fr-FR" dirty="0" err="1" smtClean="0"/>
+              <a:t>préquels</a:t>
             </a:r>
             <a:r>
               <a:rPr lang="fr-FR" dirty="0" smtClean="0"/>
-              <a:t>technique sont indispensables car ils sont les pré quels de l’implémentation de l’application.</a:t>
-            </a:r>
-            <a:endParaRPr lang="fr-FR" dirty="0" smtClean="0"/>
+              <a:t> </a:t>
+            </a:r>
+            <a:r>
+              <a:rPr lang="fr-FR" dirty="0" smtClean="0"/>
+              <a:t>de l’implémentation de l’application.</a:t>
+            </a:r>
           </a:p>
         </p:txBody>
       </p:sp>
@@ -11921,7 +11900,7 @@
         <p:spPr>
           <a:xfrm>
             <a:off x="179512" y="908720"/>
-            <a:ext cx="8424936" cy="5262979"/>
+            <a:ext cx="8424936" cy="5016758"/>
           </a:xfrm>
           <a:prstGeom prst="rect">
             <a:avLst/>
@@ -11960,11 +11939,19 @@
             </a:pPr>
             <a:r>
               <a:rPr lang="fr-FR" sz="1600" dirty="0"/>
-              <a:t>    d’être plus efficace dans la gestion des commandes, de leur réception à leur livraison </a:t>
+              <a:t>D</a:t>
             </a:r>
             <a:r>
               <a:rPr lang="fr-FR" sz="1600" dirty="0" smtClean="0"/>
-              <a:t>en </a:t>
+              <a:t>’être </a:t>
+            </a:r>
+            <a:r>
+              <a:rPr lang="fr-FR" sz="1600" dirty="0"/>
+              <a:t>plus efficace dans la gestion des commandes, de leur réception à leur livraison </a:t>
+            </a:r>
+            <a:r>
+              <a:rPr lang="fr-FR" sz="1600" dirty="0" smtClean="0"/>
+              <a:t>                                    en </a:t>
             </a:r>
             <a:r>
               <a:rPr lang="fr-FR" sz="1600" dirty="0"/>
@@ -11978,7 +11965,15 @@
             </a:pPr>
             <a:r>
               <a:rPr lang="fr-FR" sz="1600" dirty="0"/>
-              <a:t>    de suivre en temps réel les commandes passées et en préparation ;</a:t>
+              <a:t>D</a:t>
+            </a:r>
+            <a:r>
+              <a:rPr lang="fr-FR" sz="1600" dirty="0" smtClean="0"/>
+              <a:t>e </a:t>
+            </a:r>
+            <a:r>
+              <a:rPr lang="fr-FR" sz="1600" dirty="0"/>
+              <a:t>suivre en temps réel les commandes passées et en préparation ;</a:t>
             </a:r>
           </a:p>
           <a:p>
@@ -11988,15 +11983,19 @@
             </a:pPr>
             <a:r>
               <a:rPr lang="fr-FR" sz="1600" dirty="0"/>
-              <a:t>    de suivre en temps réel le stock d’ingrédients restants pour savoir quelles pizzas sont </a:t>
+              <a:t>D</a:t>
             </a:r>
             <a:r>
               <a:rPr lang="fr-FR" sz="1600" dirty="0" smtClean="0"/>
-              <a:t>              </a:t>
+              <a:t>e </a:t>
+            </a:r>
+            <a:r>
+              <a:rPr lang="fr-FR" sz="1600" dirty="0"/>
+              <a:t>suivre en temps réel le stock d’ingrédients restants pour savoir quelles pizzas sont </a:t>
             </a:r>
             <a:r>
               <a:rPr lang="fr-FR" sz="1600" dirty="0" smtClean="0"/>
-              <a:t>   encore </a:t>
+              <a:t>                 encore </a:t>
             </a:r>
             <a:r>
               <a:rPr lang="fr-FR" sz="1600" dirty="0"/>
@@ -12009,16 +12008,12 @@
               <a:buChar char="•"/>
             </a:pPr>
             <a:r>
+              <a:rPr lang="fr-FR" sz="1600" dirty="0" smtClean="0"/>
+              <a:t>De </a:t>
+            </a:r>
+            <a:r>
               <a:rPr lang="fr-FR" sz="1600" dirty="0"/>
-              <a:t>   </a:t>
-            </a:r>
-            <a:r>
-              <a:rPr lang="fr-FR" sz="1600" dirty="0" smtClean="0"/>
-              <a:t>     </a:t>
-            </a:r>
-            <a:r>
-              <a:rPr lang="fr-FR" sz="1600" dirty="0"/>
-              <a:t>de proposer un site internet pour que les clients puissent :</a:t>
+              <a:t>proposer un site internet pour que les clients puissent :</a:t>
             </a:r>
           </a:p>
           <a:p>
@@ -12027,12 +12022,16 @@
               <a:buChar char="•"/>
             </a:pPr>
             <a:r>
+              <a:rPr lang="fr-FR" sz="1600" dirty="0" smtClean="0"/>
+              <a:t>Passer </a:t>
+            </a:r>
+            <a:r>
               <a:rPr lang="fr-FR" sz="1600" dirty="0"/>
-              <a:t>        passer leurs commandes, en plus de la prise de commande par téléphone ou sur </a:t>
+              <a:t>leurs commandes, en plus de la prise de commande par téléphone ou sur </a:t>
             </a:r>
             <a:r>
               <a:rPr lang="fr-FR" sz="1600" dirty="0" smtClean="0"/>
-              <a:t>	place</a:t>
+              <a:t>place</a:t>
             </a:r>
             <a:r>
               <a:rPr lang="fr-FR" sz="1600" dirty="0"/>
@@ -12045,28 +12044,18 @@
               <a:buChar char="•"/>
             </a:pPr>
             <a:r>
+              <a:rPr lang="fr-FR" sz="1600" dirty="0" smtClean="0"/>
+              <a:t>Payer </a:t>
+            </a:r>
+            <a:r>
               <a:rPr lang="fr-FR" sz="1600" dirty="0"/>
-              <a:t>        payer en ligne leur commande s’il le souhaite, sinon, ils paieront directement à la </a:t>
+              <a:t>en ligne leur commande s’il le souhaite, sinon, ils paieront directement à la </a:t>
             </a:r>
             <a:r>
               <a:rPr lang="fr-FR" sz="1600" dirty="0" smtClean="0"/>
-              <a:t>	livraison</a:t>
+              <a:t>livraison</a:t>
             </a:r>
             <a:endParaRPr lang="fr-FR" sz="1600" dirty="0"/>
-          </a:p>
-          <a:p>
-            <a:r>
-              <a:rPr lang="fr-FR" sz="1600" dirty="0"/>
-              <a:t>        </a:t>
-            </a:r>
-            <a:r>
-              <a:rPr lang="fr-FR" sz="1600" dirty="0" smtClean="0"/>
-              <a:t>     modifier </a:t>
-            </a:r>
-            <a:r>
-              <a:rPr lang="fr-FR" sz="1600" dirty="0"/>
-              <a:t>ou annuler leur commande tant que celle-ci n’a pas été préparée</a:t>
-            </a:r>
           </a:p>
           <a:p>
             <a:pPr marL="285750" indent="-285750">
@@ -12074,8 +12063,16 @@
               <a:buChar char="•"/>
             </a:pPr>
             <a:r>
+              <a:rPr lang="fr-FR" sz="1600" dirty="0" smtClean="0"/>
+              <a:t>M</a:t>
+            </a:r>
+            <a:r>
+              <a:rPr lang="fr-FR" sz="1600" dirty="0" smtClean="0"/>
+              <a:t>odifier </a:t>
+            </a:r>
+            <a:r>
               <a:rPr lang="fr-FR" sz="1600" dirty="0"/>
-              <a:t>    de proposer un aide mémoire aux pizzaiolos indiquant la recette de chaque pizza</a:t>
+              <a:t>ou annuler leur commande tant que celle-ci n’a pas été préparée</a:t>
             </a:r>
           </a:p>
           <a:p>
@@ -12084,8 +12081,26 @@
               <a:buChar char="•"/>
             </a:pPr>
             <a:r>
+              <a:rPr lang="fr-FR" sz="1600" dirty="0" smtClean="0"/>
+              <a:t>De </a:t>
+            </a:r>
+            <a:r>
               <a:rPr lang="fr-FR" sz="1600" dirty="0"/>
-              <a:t>    d’informer ou notifier les clients sur l’état de leur commande</a:t>
+              <a:t>proposer un aide mémoire aux pizzaiolos indiquant la recette de chaque pizza</a:t>
+            </a:r>
+          </a:p>
+          <a:p>
+            <a:pPr marL="285750" indent="-285750">
+              <a:buFont typeface="Arial" pitchFamily="34" charset="0"/>
+              <a:buChar char="•"/>
+            </a:pPr>
+            <a:r>
+              <a:rPr lang="fr-FR" sz="1600" dirty="0" smtClean="0"/>
+              <a:t>D’informer </a:t>
+            </a:r>
+            <a:r>
+              <a:rPr lang="fr-FR" sz="1600" dirty="0"/>
+              <a:t>ou notifier les clients sur l’état de leur commande</a:t>
             </a:r>
           </a:p>
           <a:p>

--- a/Projet 8_Documentez votre système de gestion de pizzeria.pptx
+++ b/Projet 8_Documentez votre système de gestion de pizzeria.pptx
@@ -10775,27 +10775,7 @@
           <a:p>
             <a:r>
               <a:rPr lang="fr-FR" dirty="0" smtClean="0"/>
-              <a:t>Ce projet a vraiment été intéressant pour moi sur beaucoup de points. Il m’a permis de comprendre l’intérêt du document d’exploitation à savoir l’environnement nécessaire pour le déploiement et le lancement de l’application ainsi que la maintenance, sauvegarde et restauration. Le tout permettant le bon fonctionnement de l’application. Sans oublié que pour en venir à ce stade les </a:t>
-            </a:r>
-            <a:r>
-              <a:rPr lang="fr-FR" dirty="0" smtClean="0"/>
-              <a:t>document </a:t>
-            </a:r>
-            <a:r>
-              <a:rPr lang="fr-FR" dirty="0" smtClean="0"/>
-              <a:t>fonctionnelle et document de conception technique sont indispensables car ils sont les </a:t>
-            </a:r>
-            <a:r>
-              <a:rPr lang="fr-FR" dirty="0" err="1" smtClean="0"/>
-              <a:t>préquels</a:t>
-            </a:r>
-            <a:r>
-              <a:rPr lang="fr-FR" dirty="0" smtClean="0"/>
-              <a:t> </a:t>
-            </a:r>
-            <a:r>
-              <a:rPr lang="fr-FR" dirty="0" smtClean="0"/>
-              <a:t>de l’implémentation de l’application.</a:t>
+              <a:t>Ce projet a vraiment été intéressant pour moi sur beaucoup de points. Il m’a permis de comprendre l’intérêt du document d’exploitation à savoir l’environnement nécessaire pour le déploiement et le lancement de l’application ainsi que la maintenance, sauvegarde et restauration. Le tout permettant le bon fonctionnement de l’application. Sans oublié que pour en venir à ce stade les document fonctionnelle et document de conception technique sont indispensables car ils sont les préquels de l’implémentation de l’application.</a:t>
             </a:r>
           </a:p>
         </p:txBody>
@@ -12064,11 +12044,7 @@
             </a:pPr>
             <a:r>
               <a:rPr lang="fr-FR" sz="1600" dirty="0" smtClean="0"/>
-              <a:t>M</a:t>
-            </a:r>
-            <a:r>
-              <a:rPr lang="fr-FR" sz="1600" dirty="0" smtClean="0"/>
-              <a:t>odifier </a:t>
+              <a:t>Modifier </a:t>
             </a:r>
             <a:r>
               <a:rPr lang="fr-FR" sz="1600" dirty="0"/>
